--- a/presentations/04-Streams.pptx
+++ b/presentations/04-Streams.pptx
@@ -86,9 +86,9 @@
         </a:solidFill>
         <a:effectLst/>
         <a:uFillTx/>
-        <a:latin typeface="+mn-lt"/>
-        <a:ea typeface="+mn-ea"/>
-        <a:cs typeface="+mn-cs"/>
+        <a:latin typeface="+mj-lt"/>
+        <a:ea typeface="+mj-ea"/>
+        <a:cs typeface="+mj-cs"/>
         <a:sym typeface="Helvetica"/>
       </a:defRPr>
     </a:lvl1pPr>
@@ -116,9 +116,9 @@
         </a:solidFill>
         <a:effectLst/>
         <a:uFillTx/>
-        <a:latin typeface="+mn-lt"/>
-        <a:ea typeface="+mn-ea"/>
-        <a:cs typeface="+mn-cs"/>
+        <a:latin typeface="+mj-lt"/>
+        <a:ea typeface="+mj-ea"/>
+        <a:cs typeface="+mj-cs"/>
         <a:sym typeface="Helvetica"/>
       </a:defRPr>
     </a:lvl2pPr>
@@ -146,9 +146,9 @@
         </a:solidFill>
         <a:effectLst/>
         <a:uFillTx/>
-        <a:latin typeface="+mn-lt"/>
-        <a:ea typeface="+mn-ea"/>
-        <a:cs typeface="+mn-cs"/>
+        <a:latin typeface="+mj-lt"/>
+        <a:ea typeface="+mj-ea"/>
+        <a:cs typeface="+mj-cs"/>
         <a:sym typeface="Helvetica"/>
       </a:defRPr>
     </a:lvl3pPr>
@@ -176,9 +176,9 @@
         </a:solidFill>
         <a:effectLst/>
         <a:uFillTx/>
-        <a:latin typeface="+mn-lt"/>
-        <a:ea typeface="+mn-ea"/>
-        <a:cs typeface="+mn-cs"/>
+        <a:latin typeface="+mj-lt"/>
+        <a:ea typeface="+mj-ea"/>
+        <a:cs typeface="+mj-cs"/>
         <a:sym typeface="Helvetica"/>
       </a:defRPr>
     </a:lvl4pPr>
@@ -206,9 +206,9 @@
         </a:solidFill>
         <a:effectLst/>
         <a:uFillTx/>
-        <a:latin typeface="+mn-lt"/>
-        <a:ea typeface="+mn-ea"/>
-        <a:cs typeface="+mn-cs"/>
+        <a:latin typeface="+mj-lt"/>
+        <a:ea typeface="+mj-ea"/>
+        <a:cs typeface="+mj-cs"/>
         <a:sym typeface="Helvetica"/>
       </a:defRPr>
     </a:lvl5pPr>
@@ -236,9 +236,9 @@
         </a:solidFill>
         <a:effectLst/>
         <a:uFillTx/>
-        <a:latin typeface="+mn-lt"/>
-        <a:ea typeface="+mn-ea"/>
-        <a:cs typeface="+mn-cs"/>
+        <a:latin typeface="+mj-lt"/>
+        <a:ea typeface="+mj-ea"/>
+        <a:cs typeface="+mj-cs"/>
         <a:sym typeface="Helvetica"/>
       </a:defRPr>
     </a:lvl6pPr>
@@ -266,9 +266,9 @@
         </a:solidFill>
         <a:effectLst/>
         <a:uFillTx/>
-        <a:latin typeface="+mn-lt"/>
-        <a:ea typeface="+mn-ea"/>
-        <a:cs typeface="+mn-cs"/>
+        <a:latin typeface="+mj-lt"/>
+        <a:ea typeface="+mj-ea"/>
+        <a:cs typeface="+mj-cs"/>
         <a:sym typeface="Helvetica"/>
       </a:defRPr>
     </a:lvl7pPr>
@@ -296,9 +296,9 @@
         </a:solidFill>
         <a:effectLst/>
         <a:uFillTx/>
-        <a:latin typeface="+mn-lt"/>
-        <a:ea typeface="+mn-ea"/>
-        <a:cs typeface="+mn-cs"/>
+        <a:latin typeface="+mj-lt"/>
+        <a:ea typeface="+mj-ea"/>
+        <a:cs typeface="+mj-cs"/>
         <a:sym typeface="Helvetica"/>
       </a:defRPr>
     </a:lvl8pPr>
@@ -326,9 +326,9 @@
         </a:solidFill>
         <a:effectLst/>
         <a:uFillTx/>
-        <a:latin typeface="+mn-lt"/>
-        <a:ea typeface="+mn-ea"/>
-        <a:cs typeface="+mn-cs"/>
+        <a:latin typeface="+mj-lt"/>
+        <a:ea typeface="+mj-ea"/>
+        <a:cs typeface="+mj-cs"/>
         <a:sym typeface="Helvetica"/>
       </a:defRPr>
     </a:lvl9pPr>
@@ -413,73 +413,73 @@
   <p:notesStyle>
     <a:lvl1pPr latinLnBrk="0">
       <a:defRPr sz="1200">
-        <a:latin typeface="+mj-lt"/>
-        <a:ea typeface="+mj-ea"/>
-        <a:cs typeface="+mj-cs"/>
+        <a:latin typeface="+mn-lt"/>
+        <a:ea typeface="+mn-ea"/>
+        <a:cs typeface="+mn-cs"/>
         <a:sym typeface="Calibri"/>
       </a:defRPr>
     </a:lvl1pPr>
     <a:lvl2pPr indent="228600" latinLnBrk="0">
       <a:defRPr sz="1200">
-        <a:latin typeface="+mj-lt"/>
-        <a:ea typeface="+mj-ea"/>
-        <a:cs typeface="+mj-cs"/>
+        <a:latin typeface="+mn-lt"/>
+        <a:ea typeface="+mn-ea"/>
+        <a:cs typeface="+mn-cs"/>
         <a:sym typeface="Calibri"/>
       </a:defRPr>
     </a:lvl2pPr>
     <a:lvl3pPr indent="457200" latinLnBrk="0">
       <a:defRPr sz="1200">
-        <a:latin typeface="+mj-lt"/>
-        <a:ea typeface="+mj-ea"/>
-        <a:cs typeface="+mj-cs"/>
+        <a:latin typeface="+mn-lt"/>
+        <a:ea typeface="+mn-ea"/>
+        <a:cs typeface="+mn-cs"/>
         <a:sym typeface="Calibri"/>
       </a:defRPr>
     </a:lvl3pPr>
     <a:lvl4pPr indent="685800" latinLnBrk="0">
       <a:defRPr sz="1200">
-        <a:latin typeface="+mj-lt"/>
-        <a:ea typeface="+mj-ea"/>
-        <a:cs typeface="+mj-cs"/>
+        <a:latin typeface="+mn-lt"/>
+        <a:ea typeface="+mn-ea"/>
+        <a:cs typeface="+mn-cs"/>
         <a:sym typeface="Calibri"/>
       </a:defRPr>
     </a:lvl4pPr>
     <a:lvl5pPr indent="914400" latinLnBrk="0">
       <a:defRPr sz="1200">
-        <a:latin typeface="+mj-lt"/>
-        <a:ea typeface="+mj-ea"/>
-        <a:cs typeface="+mj-cs"/>
+        <a:latin typeface="+mn-lt"/>
+        <a:ea typeface="+mn-ea"/>
+        <a:cs typeface="+mn-cs"/>
         <a:sym typeface="Calibri"/>
       </a:defRPr>
     </a:lvl5pPr>
     <a:lvl6pPr indent="1143000" latinLnBrk="0">
       <a:defRPr sz="1200">
-        <a:latin typeface="+mj-lt"/>
-        <a:ea typeface="+mj-ea"/>
-        <a:cs typeface="+mj-cs"/>
+        <a:latin typeface="+mn-lt"/>
+        <a:ea typeface="+mn-ea"/>
+        <a:cs typeface="+mn-cs"/>
         <a:sym typeface="Calibri"/>
       </a:defRPr>
     </a:lvl6pPr>
     <a:lvl7pPr indent="1371600" latinLnBrk="0">
       <a:defRPr sz="1200">
-        <a:latin typeface="+mj-lt"/>
-        <a:ea typeface="+mj-ea"/>
-        <a:cs typeface="+mj-cs"/>
+        <a:latin typeface="+mn-lt"/>
+        <a:ea typeface="+mn-ea"/>
+        <a:cs typeface="+mn-cs"/>
         <a:sym typeface="Calibri"/>
       </a:defRPr>
     </a:lvl7pPr>
     <a:lvl8pPr indent="1600200" latinLnBrk="0">
       <a:defRPr sz="1200">
-        <a:latin typeface="+mj-lt"/>
-        <a:ea typeface="+mj-ea"/>
-        <a:cs typeface="+mj-cs"/>
+        <a:latin typeface="+mn-lt"/>
+        <a:ea typeface="+mn-ea"/>
+        <a:cs typeface="+mn-cs"/>
         <a:sym typeface="Calibri"/>
       </a:defRPr>
     </a:lvl8pPr>
     <a:lvl9pPr indent="1828800" latinLnBrk="0">
       <a:defRPr sz="1200">
-        <a:latin typeface="+mj-lt"/>
-        <a:ea typeface="+mj-ea"/>
-        <a:cs typeface="+mj-cs"/>
+        <a:latin typeface="+mn-lt"/>
+        <a:ea typeface="+mn-ea"/>
+        <a:cs typeface="+mn-cs"/>
         <a:sym typeface="Calibri"/>
       </a:defRPr>
     </a:lvl9pPr>
@@ -547,7 +547,7 @@
         <p:spPr>
           <a:xfrm>
             <a:off x="1524000" y="3602037"/>
-            <a:ext cx="9144000" cy="1655766"/>
+            <a:ext cx="9144000" cy="1655767"/>
           </a:xfrm>
           <a:prstGeom prst="rect">
             <a:avLst/>
@@ -1078,7 +1078,7 @@
         <p:spPr>
           <a:xfrm>
             <a:off x="831850" y="4589462"/>
-            <a:ext cx="10515600" cy="1500191"/>
+            <a:ext cx="10515600" cy="1500192"/>
           </a:xfrm>
           <a:prstGeom prst="rect">
             <a:avLst/>
@@ -1381,7 +1381,7 @@
         <p:spPr>
           <a:xfrm>
             <a:off x="839787" y="1681163"/>
-            <a:ext cx="5157790" cy="823916"/>
+            <a:ext cx="5157790" cy="823917"/>
           </a:xfrm>
           <a:prstGeom prst="rect">
             <a:avLst/>
@@ -2126,7 +2126,7 @@
         </p:nvSpPr>
         <p:spPr>
           <a:xfrm>
-            <a:off x="11089823" y="6404294"/>
+            <a:off x="11089824" y="6404294"/>
             <a:ext cx="263979" cy="269237"/>
           </a:xfrm>
           <a:prstGeom prst="rect">
@@ -2146,9 +2146,9 @@
                 <a:solidFill>
                   <a:srgbClr val="888888"/>
                 </a:solidFill>
-                <a:latin typeface="+mj-lt"/>
-                <a:ea typeface="+mj-ea"/>
-                <a:cs typeface="+mj-cs"/>
+                <a:latin typeface="+mn-lt"/>
+                <a:ea typeface="+mn-ea"/>
+                <a:cs typeface="+mn-cs"/>
                 <a:sym typeface="Calibri"/>
               </a:defRPr>
             </a:lvl1pPr>
@@ -2464,9 +2464,9 @@
             <a:srgbClr val="000000"/>
           </a:solidFill>
           <a:uFillTx/>
-          <a:latin typeface="+mj-lt"/>
-          <a:ea typeface="+mj-ea"/>
-          <a:cs typeface="+mj-cs"/>
+          <a:latin typeface="+mn-lt"/>
+          <a:ea typeface="+mn-ea"/>
+          <a:cs typeface="+mn-cs"/>
           <a:sym typeface="Calibri"/>
         </a:defRPr>
       </a:lvl1pPr>
@@ -2493,9 +2493,9 @@
             <a:srgbClr val="000000"/>
           </a:solidFill>
           <a:uFillTx/>
-          <a:latin typeface="+mj-lt"/>
-          <a:ea typeface="+mj-ea"/>
-          <a:cs typeface="+mj-cs"/>
+          <a:latin typeface="+mn-lt"/>
+          <a:ea typeface="+mn-ea"/>
+          <a:cs typeface="+mn-cs"/>
           <a:sym typeface="Calibri"/>
         </a:defRPr>
       </a:lvl2pPr>
@@ -2522,9 +2522,9 @@
             <a:srgbClr val="000000"/>
           </a:solidFill>
           <a:uFillTx/>
-          <a:latin typeface="+mj-lt"/>
-          <a:ea typeface="+mj-ea"/>
-          <a:cs typeface="+mj-cs"/>
+          <a:latin typeface="+mn-lt"/>
+          <a:ea typeface="+mn-ea"/>
+          <a:cs typeface="+mn-cs"/>
           <a:sym typeface="Calibri"/>
         </a:defRPr>
       </a:lvl3pPr>
@@ -2551,9 +2551,9 @@
             <a:srgbClr val="000000"/>
           </a:solidFill>
           <a:uFillTx/>
-          <a:latin typeface="+mj-lt"/>
-          <a:ea typeface="+mj-ea"/>
-          <a:cs typeface="+mj-cs"/>
+          <a:latin typeface="+mn-lt"/>
+          <a:ea typeface="+mn-ea"/>
+          <a:cs typeface="+mn-cs"/>
           <a:sym typeface="Calibri"/>
         </a:defRPr>
       </a:lvl4pPr>
@@ -2580,9 +2580,9 @@
             <a:srgbClr val="000000"/>
           </a:solidFill>
           <a:uFillTx/>
-          <a:latin typeface="+mj-lt"/>
-          <a:ea typeface="+mj-ea"/>
-          <a:cs typeface="+mj-cs"/>
+          <a:latin typeface="+mn-lt"/>
+          <a:ea typeface="+mn-ea"/>
+          <a:cs typeface="+mn-cs"/>
           <a:sym typeface="Calibri"/>
         </a:defRPr>
       </a:lvl5pPr>
@@ -2609,9 +2609,9 @@
             <a:srgbClr val="000000"/>
           </a:solidFill>
           <a:uFillTx/>
-          <a:latin typeface="+mj-lt"/>
-          <a:ea typeface="+mj-ea"/>
-          <a:cs typeface="+mj-cs"/>
+          <a:latin typeface="+mn-lt"/>
+          <a:ea typeface="+mn-ea"/>
+          <a:cs typeface="+mn-cs"/>
           <a:sym typeface="Calibri"/>
         </a:defRPr>
       </a:lvl6pPr>
@@ -2638,9 +2638,9 @@
             <a:srgbClr val="000000"/>
           </a:solidFill>
           <a:uFillTx/>
-          <a:latin typeface="+mj-lt"/>
-          <a:ea typeface="+mj-ea"/>
-          <a:cs typeface="+mj-cs"/>
+          <a:latin typeface="+mn-lt"/>
+          <a:ea typeface="+mn-ea"/>
+          <a:cs typeface="+mn-cs"/>
           <a:sym typeface="Calibri"/>
         </a:defRPr>
       </a:lvl7pPr>
@@ -2667,9 +2667,9 @@
             <a:srgbClr val="000000"/>
           </a:solidFill>
           <a:uFillTx/>
-          <a:latin typeface="+mj-lt"/>
-          <a:ea typeface="+mj-ea"/>
-          <a:cs typeface="+mj-cs"/>
+          <a:latin typeface="+mn-lt"/>
+          <a:ea typeface="+mn-ea"/>
+          <a:cs typeface="+mn-cs"/>
           <a:sym typeface="Calibri"/>
         </a:defRPr>
       </a:lvl8pPr>
@@ -2696,9 +2696,9 @@
             <a:srgbClr val="000000"/>
           </a:solidFill>
           <a:uFillTx/>
-          <a:latin typeface="+mj-lt"/>
-          <a:ea typeface="+mj-ea"/>
-          <a:cs typeface="+mj-cs"/>
+          <a:latin typeface="+mn-lt"/>
+          <a:ea typeface="+mn-ea"/>
+          <a:cs typeface="+mn-cs"/>
           <a:sym typeface="Calibri"/>
         </a:defRPr>
       </a:lvl9pPr>
@@ -3006,9 +3006,8 @@
         </p:spPr>
         <p:txBody>
           <a:bodyPr/>
-          <a:lstStyle/>
-          <a:p>
-            <a:pPr algn="l">
+          <a:lstStyle>
+            <a:lvl1pPr algn="l">
               <a:defRPr sz="3600">
                 <a:solidFill>
                   <a:srgbClr val="3B3838"/>
@@ -3018,25 +3017,12 @@
                 <a:cs typeface="Open Sans"/>
                 <a:sym typeface="Open Sans"/>
               </a:defRPr>
-            </a:pPr>
-            <a:r>
-              <a:t>Dev-Pro Node.js</a:t>
-            </a:r>
-          </a:p>
-          <a:p>
-            <a:pPr algn="l">
-              <a:defRPr sz="3600">
-                <a:solidFill>
-                  <a:srgbClr val="3B3838"/>
-                </a:solidFill>
-                <a:latin typeface="Open Sans"/>
-                <a:ea typeface="Open Sans"/>
-                <a:cs typeface="Open Sans"/>
-                <a:sym typeface="Open Sans"/>
-              </a:defRPr>
-            </a:pPr>
-            <a:r>
-              <a:t>Advanced Flow</a:t>
+            </a:lvl1pPr>
+          </a:lstStyle>
+          <a:p>
+            <a:pPr/>
+            <a:r>
+              <a:t>Node.js</a:t>
             </a:r>
           </a:p>
         </p:txBody>
@@ -3052,7 +3038,7 @@
         <p:spPr>
           <a:xfrm>
             <a:off x="684212" y="4681847"/>
-            <a:ext cx="4516438" cy="1190867"/>
+            <a:ext cx="4516438" cy="1190868"/>
           </a:xfrm>
           <a:prstGeom prst="rect">
             <a:avLst/>
@@ -3093,7 +3079,7 @@
         <p:spPr>
           <a:xfrm>
             <a:off x="811184" y="4025245"/>
-            <a:ext cx="1451251" cy="4"/>
+            <a:ext cx="1451251" cy="5"/>
           </a:xfrm>
           <a:prstGeom prst="line">
             <a:avLst/>
@@ -3132,7 +3118,7 @@
         <p:spPr>
           <a:xfrm>
             <a:off x="4650697" y="1287372"/>
-            <a:ext cx="7122232" cy="4362368"/>
+            <a:ext cx="7122233" cy="4362368"/>
           </a:xfrm>
           <a:prstGeom prst="rect">
             <a:avLst/>
@@ -3256,8 +3242,8 @@
         </p:blipFill>
         <p:spPr>
           <a:xfrm>
-            <a:off x="2942782" y="1933364"/>
-            <a:ext cx="6306434" cy="2991270"/>
+            <a:off x="2942782" y="1933363"/>
+            <a:ext cx="6306435" cy="2991271"/>
           </a:xfrm>
           <a:prstGeom prst="rect">
             <a:avLst/>
@@ -3382,7 +3368,7 @@
         <p:spPr>
           <a:xfrm>
             <a:off x="3633442" y="2676418"/>
-            <a:ext cx="4925115" cy="1505163"/>
+            <a:ext cx="4925116" cy="1505164"/>
           </a:xfrm>
           <a:prstGeom prst="rect">
             <a:avLst/>
@@ -3757,7 +3743,7 @@
         <p:spPr>
           <a:xfrm>
             <a:off x="1070707" y="1371600"/>
-            <a:ext cx="8849369" cy="5049305"/>
+            <a:ext cx="8849370" cy="5049305"/>
           </a:xfrm>
           <a:prstGeom prst="rect">
             <a:avLst/>
@@ -4132,7 +4118,7 @@
         <p:spPr>
           <a:xfrm>
             <a:off x="3364993" y="2209800"/>
-            <a:ext cx="5477643" cy="2619743"/>
+            <a:ext cx="5477644" cy="2619744"/>
           </a:xfrm>
           <a:prstGeom prst="rect">
             <a:avLst/>
@@ -4257,7 +4243,7 @@
         <p:spPr>
           <a:xfrm>
             <a:off x="3651532" y="1524000"/>
-            <a:ext cx="4888938" cy="4903045"/>
+            <a:ext cx="4888939" cy="4903045"/>
           </a:xfrm>
           <a:prstGeom prst="rect">
             <a:avLst/>
@@ -4427,7 +4413,7 @@
         <p:spPr>
           <a:xfrm>
             <a:off x="953675" y="1276224"/>
-            <a:ext cx="9849637" cy="2691095"/>
+            <a:ext cx="9849637" cy="2691093"/>
           </a:xfrm>
           <a:prstGeom prst="rect">
             <a:avLst/>
@@ -4828,7 +4814,7 @@
         <p:spPr>
           <a:xfrm>
             <a:off x="3728706" y="2295366"/>
-            <a:ext cx="4734588" cy="2267269"/>
+            <a:ext cx="4734589" cy="2267270"/>
           </a:xfrm>
           <a:prstGeom prst="rect">
             <a:avLst/>
@@ -4953,7 +4939,7 @@
         <p:spPr>
           <a:xfrm>
             <a:off x="3319074" y="1676399"/>
-            <a:ext cx="5553853" cy="4820323"/>
+            <a:ext cx="5553854" cy="4820323"/>
           </a:xfrm>
           <a:prstGeom prst="rect">
             <a:avLst/>
@@ -5079,7 +5065,7 @@
         <p:spPr>
           <a:xfrm>
             <a:off x="10240129" y="6026089"/>
-            <a:ext cx="1373568" cy="287494"/>
+            <a:ext cx="1373569" cy="287495"/>
           </a:xfrm>
           <a:prstGeom prst="rect">
             <a:avLst/>
@@ -5173,9 +5159,9 @@
           <a:p>
             <a:pPr>
               <a:defRPr>
-                <a:latin typeface="+mj-lt"/>
-                <a:ea typeface="+mj-ea"/>
-                <a:cs typeface="+mj-cs"/>
+                <a:latin typeface="+mn-lt"/>
+                <a:ea typeface="+mn-ea"/>
+                <a:cs typeface="+mn-cs"/>
                 <a:sym typeface="Calibri"/>
               </a:defRPr>
             </a:pPr>
@@ -5231,7 +5217,7 @@
         <p:spPr>
           <a:xfrm>
             <a:off x="811184" y="4025245"/>
-            <a:ext cx="1451251" cy="4"/>
+            <a:ext cx="1451251" cy="5"/>
           </a:xfrm>
           <a:prstGeom prst="line">
             <a:avLst/>
@@ -5296,7 +5282,7 @@
         <p:spPr>
           <a:xfrm>
             <a:off x="990600" y="2133418"/>
-            <a:ext cx="10058400" cy="2399901"/>
+            <a:ext cx="10058400" cy="2399902"/>
           </a:xfrm>
           <a:prstGeom prst="rect">
             <a:avLst/>
@@ -6108,14 +6094,14 @@
     </a:clrScheme>
     <a:fontScheme name="Тема Office">
       <a:majorFont>
+        <a:latin typeface="Helvetica"/>
+        <a:ea typeface="Helvetica"/>
+        <a:cs typeface="Helvetica"/>
+      </a:majorFont>
+      <a:minorFont>
         <a:latin typeface="Calibri"/>
         <a:ea typeface="Calibri"/>
         <a:cs typeface="Calibri"/>
-      </a:majorFont>
-      <a:minorFont>
-        <a:latin typeface="Helvetica"/>
-        <a:ea typeface="Helvetica"/>
-        <a:cs typeface="Helvetica"/>
       </a:minorFont>
     </a:fontScheme>
     <a:fmtScheme name="Тема Office">
@@ -6296,9 +6282,9 @@
             </a:solidFill>
             <a:effectLst/>
             <a:uFillTx/>
-            <a:latin typeface="+mn-lt"/>
-            <a:ea typeface="+mn-ea"/>
-            <a:cs typeface="+mn-cs"/>
+            <a:latin typeface="+mj-lt"/>
+            <a:ea typeface="+mj-ea"/>
+            <a:cs typeface="+mj-cs"/>
             <a:sym typeface="Helvetica"/>
           </a:defRPr>
         </a:defPPr>
@@ -6867,9 +6853,9 @@
             </a:solidFill>
             <a:effectLst/>
             <a:uFillTx/>
-            <a:latin typeface="+mn-lt"/>
-            <a:ea typeface="+mn-ea"/>
-            <a:cs typeface="+mn-cs"/>
+            <a:latin typeface="+mj-lt"/>
+            <a:ea typeface="+mj-ea"/>
+            <a:cs typeface="+mj-cs"/>
             <a:sym typeface="Helvetica"/>
           </a:defRPr>
         </a:defPPr>
@@ -7162,14 +7148,14 @@
     </a:clrScheme>
     <a:fontScheme name="Тема Office">
       <a:majorFont>
+        <a:latin typeface="Helvetica"/>
+        <a:ea typeface="Helvetica"/>
+        <a:cs typeface="Helvetica"/>
+      </a:majorFont>
+      <a:minorFont>
         <a:latin typeface="Calibri"/>
         <a:ea typeface="Calibri"/>
         <a:cs typeface="Calibri"/>
-      </a:majorFont>
-      <a:minorFont>
-        <a:latin typeface="Helvetica"/>
-        <a:ea typeface="Helvetica"/>
-        <a:cs typeface="Helvetica"/>
       </a:minorFont>
     </a:fontScheme>
     <a:fmtScheme name="Тема Office">
@@ -7350,9 +7336,9 @@
             </a:solidFill>
             <a:effectLst/>
             <a:uFillTx/>
-            <a:latin typeface="+mn-lt"/>
-            <a:ea typeface="+mn-ea"/>
-            <a:cs typeface="+mn-cs"/>
+            <a:latin typeface="+mj-lt"/>
+            <a:ea typeface="+mj-ea"/>
+            <a:cs typeface="+mj-cs"/>
             <a:sym typeface="Helvetica"/>
           </a:defRPr>
         </a:defPPr>
@@ -7921,9 +7907,9 @@
             </a:solidFill>
             <a:effectLst/>
             <a:uFillTx/>
-            <a:latin typeface="+mn-lt"/>
-            <a:ea typeface="+mn-ea"/>
-            <a:cs typeface="+mn-cs"/>
+            <a:latin typeface="+mj-lt"/>
+            <a:ea typeface="+mj-ea"/>
+            <a:cs typeface="+mj-cs"/>
             <a:sym typeface="Helvetica"/>
           </a:defRPr>
         </a:defPPr>
